--- a/SWC_Python.pptx
+++ b/SWC_Python.pptx
@@ -7349,7 +7349,7 @@
                   <a:srgbClr val="000000"/>
                 </a:solidFill>
               </a:rPr>
-              <a:t>… Right?</a:t>
+              <a:t>…</a:t>
             </a:r>
             <a:r>
               <a:rPr lang="en-US" altLang="en-US" sz="3200" dirty="0" smtClean="0">
@@ -7855,8 +7855,8 @@
         </p:nvSpPr>
         <p:spPr bwMode="auto">
           <a:xfrm>
-            <a:off x="5097998" y="1274785"/>
-            <a:ext cx="4532828" cy="3733800"/>
+            <a:off x="5097998" y="1274784"/>
+            <a:ext cx="4532828" cy="4083027"/>
           </a:xfrm>
           <a:noFill/>
           <a:extLst>
@@ -7966,8 +7966,22 @@
               <a:buChar char="•"/>
             </a:pPr>
             <a:r>
+              <a:rPr lang="en-US" altLang="en-US" dirty="0" smtClean="0"/>
+              <a:t>Comments! Comments!</a:t>
+            </a:r>
+          </a:p>
+          <a:p>
+            <a:pPr marL="457200" indent="-457200">
+              <a:buFont typeface="Arial" charset="0"/>
+              <a:buChar char="•"/>
+            </a:pPr>
+            <a:r>
+              <a:rPr lang="en-US" altLang="en-US" dirty="0" smtClean="0"/>
+              <a:t>Conduct </a:t>
+            </a:r>
+            <a:r>
               <a:rPr lang="en-US" altLang="en-US" dirty="0"/>
-              <a:t>Conduct code reviews</a:t>
+              <a:t>code reviews</a:t>
             </a:r>
           </a:p>
           <a:p>
@@ -7987,7 +8001,7 @@
         </p:nvSpPr>
         <p:spPr>
           <a:xfrm>
-            <a:off x="5421312" y="5357812"/>
+            <a:off x="5116512" y="5532437"/>
             <a:ext cx="4191000" cy="1470025"/>
           </a:xfrm>
           <a:prstGeom prst="rect">
@@ -8982,16 +8996,17 @@
             </a:pPr>
             <a:r>
               <a:rPr lang="en-US" sz="3200" dirty="0" smtClean="0"/>
-              <a:t>Learn </a:t>
+              <a:t>Learn and test syntax</a:t>
             </a:r>
             <a:r>
               <a:rPr lang="en-US" sz="3200" dirty="0" smtClean="0"/>
-              <a:t>syntax, methods, </a:t>
-            </a:r>
-            <a:r>
-              <a:rPr lang="en-US" sz="3200" dirty="0"/>
-              <a:t>procedures</a:t>
-            </a:r>
+              <a:t>, methods, </a:t>
+            </a:r>
+            <a:r>
+              <a:rPr lang="en-US" sz="3200" dirty="0" smtClean="0"/>
+              <a:t>functions</a:t>
+            </a:r>
+            <a:endParaRPr lang="en-US" sz="3200" dirty="0"/>
           </a:p>
           <a:p>
             <a:pPr lvl="1">
@@ -9004,7 +9019,7 @@
             </a:pPr>
             <a:r>
               <a:rPr lang="en-US" sz="3200" dirty="0" smtClean="0"/>
-              <a:t>Test code, make plots, digest your data </a:t>
+              <a:t>Explore your data </a:t>
             </a:r>
             <a:r>
               <a:rPr lang="en-US" sz="3200" dirty="0"/>
@@ -9027,7 +9042,15 @@
             </a:pPr>
             <a:r>
               <a:rPr lang="en-US" sz="3200" dirty="0"/>
-              <a:t>Mark it up and share </a:t>
+              <a:t>Mark it </a:t>
+            </a:r>
+            <a:r>
+              <a:rPr lang="en-US" sz="3200" dirty="0" smtClean="0"/>
+              <a:t>up, save it, </a:t>
+            </a:r>
+            <a:r>
+              <a:rPr lang="en-US" sz="3200" dirty="0"/>
+              <a:t>and share </a:t>
             </a:r>
             <a:r>
               <a:rPr lang="en-US" sz="3200" dirty="0" smtClean="0"/>
@@ -10652,7 +10675,7 @@
         </p:blipFill>
         <p:spPr>
           <a:xfrm>
-            <a:off x="5906516" y="1568513"/>
+            <a:off x="5906516" y="1265237"/>
             <a:ext cx="3681984" cy="5017008"/>
           </a:xfrm>
           <a:prstGeom prst="rect">
@@ -10738,6 +10761,60 @@
               <a:latin typeface="Arial" charset="0"/>
               <a:ea typeface="ＭＳ Ｐゴシック" charset="0"/>
               <a:cs typeface="ＭＳ Ｐゴシック" charset="0"/>
+            </a:endParaRPr>
+          </a:p>
+        </p:txBody>
+      </p:sp>
+      <p:sp>
+        <p:nvSpPr>
+          <p:cNvPr id="7" name="TextBox 6"/>
+          <p:cNvSpPr txBox="1"/>
+          <p:nvPr/>
+        </p:nvSpPr>
+        <p:spPr>
+          <a:xfrm>
+            <a:off x="5399533" y="6317549"/>
+            <a:ext cx="4224233" cy="607539"/>
+          </a:xfrm>
+          <a:prstGeom prst="rect">
+            <a:avLst/>
+          </a:prstGeom>
+          <a:noFill/>
+        </p:spPr>
+        <p:txBody>
+          <a:bodyPr wrap="none" rtlCol="0">
+            <a:spAutoFit/>
+          </a:bodyPr>
+          <a:lstStyle/>
+          <a:p>
+            <a:r>
+              <a:rPr lang="en-US" sz="3200" dirty="0" smtClean="0">
+                <a:solidFill>
+                  <a:schemeClr val="tx1"/>
+                </a:solidFill>
+              </a:rPr>
+              <a:t>(write once, use to </a:t>
+            </a:r>
+            <a:r>
+              <a:rPr lang="en-US" sz="3600" b="1" dirty="0" smtClean="0">
+                <a:solidFill>
+                  <a:schemeClr val="tx1"/>
+                </a:solidFill>
+              </a:rPr>
+              <a:t>∞</a:t>
+            </a:r>
+            <a:r>
+              <a:rPr lang="en-US" sz="3200" dirty="0" smtClean="0">
+                <a:solidFill>
+                  <a:schemeClr val="tx1"/>
+                </a:solidFill>
+              </a:rPr>
+              <a:t>) </a:t>
+            </a:r>
+            <a:endParaRPr lang="en-US" sz="3200" dirty="0">
+              <a:solidFill>
+                <a:schemeClr val="tx1"/>
+              </a:solidFill>
             </a:endParaRPr>
           </a:p>
         </p:txBody>
